--- a/presentazione/Pagliari Lorenzo - presentazione_v3.pptx
+++ b/presentazione/Pagliari Lorenzo - presentazione_v3.pptx
@@ -27,21 +27,21 @@
     <p:sldId id="275" r:id="rId15"/>
     <p:sldId id="265" r:id="rId16"/>
     <p:sldId id="276" r:id="rId17"/>
-    <p:sldId id="280" r:id="rId18"/>
-    <p:sldId id="281" r:id="rId19"/>
-    <p:sldId id="282" r:id="rId20"/>
-    <p:sldId id="266" r:id="rId21"/>
-    <p:sldId id="277" r:id="rId22"/>
-    <p:sldId id="279" r:id="rId23"/>
-    <p:sldId id="283" r:id="rId24"/>
-    <p:sldId id="284" r:id="rId25"/>
-    <p:sldId id="267" r:id="rId26"/>
-    <p:sldId id="285" r:id="rId27"/>
-    <p:sldId id="258" r:id="rId28"/>
-    <p:sldId id="286" r:id="rId29"/>
-    <p:sldId id="287" r:id="rId30"/>
-    <p:sldId id="288" r:id="rId31"/>
-    <p:sldId id="289" r:id="rId32"/>
+    <p:sldId id="281" r:id="rId18"/>
+    <p:sldId id="282" r:id="rId19"/>
+    <p:sldId id="266" r:id="rId20"/>
+    <p:sldId id="277" r:id="rId21"/>
+    <p:sldId id="279" r:id="rId22"/>
+    <p:sldId id="283" r:id="rId23"/>
+    <p:sldId id="284" r:id="rId24"/>
+    <p:sldId id="267" r:id="rId25"/>
+    <p:sldId id="285" r:id="rId26"/>
+    <p:sldId id="258" r:id="rId27"/>
+    <p:sldId id="286" r:id="rId28"/>
+    <p:sldId id="287" r:id="rId29"/>
+    <p:sldId id="288" r:id="rId30"/>
+    <p:sldId id="289" r:id="rId31"/>
+    <p:sldId id="280" r:id="rId32"/>
   </p:sldIdLst>
   <p:sldSz cx="9144000" cy="6858000" type="screen4x3"/>
   <p:notesSz cx="9906000" cy="6794500"/>
@@ -587,7 +587,7 @@
     </p:spTree>
     <p:extLst>
       <p:ext uri="{BB962C8B-B14F-4D97-AF65-F5344CB8AC3E}">
-        <p14:creationId xmlns="" xmlns:p14="http://schemas.microsoft.com/office/powerpoint/2010/main" val="983607612"/>
+        <p14:creationId xmlns:p14="http://schemas.microsoft.com/office/powerpoint/2010/main" xmlns="" val="983607612"/>
       </p:ext>
     </p:extLst>
   </p:cSld>
@@ -767,7 +767,7 @@
     </p:spTree>
     <p:extLst>
       <p:ext uri="{BB962C8B-B14F-4D97-AF65-F5344CB8AC3E}">
-        <p14:creationId xmlns="" xmlns:p14="http://schemas.microsoft.com/office/powerpoint/2010/main" val="1229878964"/>
+        <p14:creationId xmlns:p14="http://schemas.microsoft.com/office/powerpoint/2010/main" xmlns="" val="1229878964"/>
       </p:ext>
     </p:extLst>
   </p:cSld>
@@ -993,7 +993,7 @@
             <a:fld id="{E73CFAA4-C87D-1545-9F8E-F35BF2220A99}" type="slidenum">
               <a:rPr lang="it-IT" smtClean="0"/>
               <a:pPr/>
-              <a:t>20</a:t>
+              <a:t>19</a:t>
             </a:fld>
             <a:endParaRPr lang="it-IT" dirty="0"/>
           </a:p>
@@ -1159,7 +1159,7 @@
     </p:spTree>
     <p:extLst>
       <p:ext uri="{BB962C8B-B14F-4D97-AF65-F5344CB8AC3E}">
-        <p14:creationId xmlns="" xmlns:p14="http://schemas.microsoft.com/office/powerpoint/2010/main" val="27430096"/>
+        <p14:creationId xmlns:p14="http://schemas.microsoft.com/office/powerpoint/2010/main" xmlns="" val="27430096"/>
       </p:ext>
     </p:extLst>
   </p:cSld>
@@ -1277,7 +1277,7 @@
     </p:spTree>
     <p:extLst>
       <p:ext uri="{BB962C8B-B14F-4D97-AF65-F5344CB8AC3E}">
-        <p14:creationId xmlns="" xmlns:p14="http://schemas.microsoft.com/office/powerpoint/2010/main" val="1473926903"/>
+        <p14:creationId xmlns:p14="http://schemas.microsoft.com/office/powerpoint/2010/main" xmlns="" val="1473926903"/>
       </p:ext>
     </p:extLst>
   </p:cSld>
@@ -1395,7 +1395,7 @@
     </p:spTree>
     <p:extLst>
       <p:ext uri="{BB962C8B-B14F-4D97-AF65-F5344CB8AC3E}">
-        <p14:creationId xmlns="" xmlns:p14="http://schemas.microsoft.com/office/powerpoint/2010/main" val="1681231856"/>
+        <p14:creationId xmlns:p14="http://schemas.microsoft.com/office/powerpoint/2010/main" xmlns="" val="1681231856"/>
       </p:ext>
     </p:extLst>
   </p:cSld>
@@ -1557,7 +1557,7 @@
     </p:spTree>
     <p:extLst>
       <p:ext uri="{BB962C8B-B14F-4D97-AF65-F5344CB8AC3E}">
-        <p14:creationId xmlns="" xmlns:p14="http://schemas.microsoft.com/office/powerpoint/2010/main" val="27430096"/>
+        <p14:creationId xmlns:p14="http://schemas.microsoft.com/office/powerpoint/2010/main" xmlns="" val="27430096"/>
       </p:ext>
     </p:extLst>
   </p:cSld>
@@ -1610,7 +1610,7 @@
     </p:spTree>
     <p:extLst>
       <p:ext uri="{BB962C8B-B14F-4D97-AF65-F5344CB8AC3E}">
-        <p14:creationId xmlns="" xmlns:p14="http://schemas.microsoft.com/office/powerpoint/2010/main" val="1191776143"/>
+        <p14:creationId xmlns:p14="http://schemas.microsoft.com/office/powerpoint/2010/main" xmlns="" val="1191776143"/>
       </p:ext>
     </p:extLst>
   </p:cSld>
@@ -1640,7 +1640,7 @@
     </p:spTree>
     <p:extLst>
       <p:ext uri="{BB962C8B-B14F-4D97-AF65-F5344CB8AC3E}">
-        <p14:creationId xmlns="" xmlns:p14="http://schemas.microsoft.com/office/powerpoint/2010/main" val="871637495"/>
+        <p14:creationId xmlns:p14="http://schemas.microsoft.com/office/powerpoint/2010/main" xmlns="" val="871637495"/>
       </p:ext>
     </p:extLst>
   </p:cSld>
@@ -1693,7 +1693,7 @@
     </p:spTree>
     <p:extLst>
       <p:ext uri="{BB962C8B-B14F-4D97-AF65-F5344CB8AC3E}">
-        <p14:creationId xmlns="" xmlns:p14="http://schemas.microsoft.com/office/powerpoint/2010/main" val="1191776143"/>
+        <p14:creationId xmlns:p14="http://schemas.microsoft.com/office/powerpoint/2010/main" xmlns="" val="1191776143"/>
       </p:ext>
     </p:extLst>
   </p:cSld>
@@ -1723,7 +1723,7 @@
     </p:spTree>
     <p:extLst>
       <p:ext uri="{BB962C8B-B14F-4D97-AF65-F5344CB8AC3E}">
-        <p14:creationId xmlns="" xmlns:p14="http://schemas.microsoft.com/office/powerpoint/2010/main" val="871637495"/>
+        <p14:creationId xmlns:p14="http://schemas.microsoft.com/office/powerpoint/2010/main" xmlns="" val="871637495"/>
       </p:ext>
     </p:extLst>
   </p:cSld>
@@ -1810,7 +1810,7 @@
     </p:spTree>
     <p:extLst>
       <p:ext uri="{BB962C8B-B14F-4D97-AF65-F5344CB8AC3E}">
-        <p14:creationId xmlns="" xmlns:p14="http://schemas.microsoft.com/office/powerpoint/2010/main" val="1724467125"/>
+        <p14:creationId xmlns:p14="http://schemas.microsoft.com/office/powerpoint/2010/main" xmlns="" val="1724467125"/>
       </p:ext>
     </p:extLst>
   </p:cSld>
@@ -1993,7 +1993,7 @@
     </p:spTree>
     <p:extLst>
       <p:ext uri="{BB962C8B-B14F-4D97-AF65-F5344CB8AC3E}">
-        <p14:creationId xmlns="" xmlns:p14="http://schemas.microsoft.com/office/powerpoint/2010/main" val="3825920509"/>
+        <p14:creationId xmlns:p14="http://schemas.microsoft.com/office/powerpoint/2010/main" xmlns="" val="3825920509"/>
       </p:ext>
     </p:extLst>
   </p:cSld>
@@ -2111,7 +2111,7 @@
     </p:spTree>
     <p:extLst>
       <p:ext uri="{BB962C8B-B14F-4D97-AF65-F5344CB8AC3E}">
-        <p14:creationId xmlns="" xmlns:p14="http://schemas.microsoft.com/office/powerpoint/2010/main" val="1473926903"/>
+        <p14:creationId xmlns:p14="http://schemas.microsoft.com/office/powerpoint/2010/main" xmlns="" val="1473926903"/>
       </p:ext>
     </p:extLst>
   </p:cSld>
@@ -2229,7 +2229,7 @@
     </p:spTree>
     <p:extLst>
       <p:ext uri="{BB962C8B-B14F-4D97-AF65-F5344CB8AC3E}">
-        <p14:creationId xmlns="" xmlns:p14="http://schemas.microsoft.com/office/powerpoint/2010/main" val="1681231856"/>
+        <p14:creationId xmlns:p14="http://schemas.microsoft.com/office/powerpoint/2010/main" xmlns="" val="1681231856"/>
       </p:ext>
     </p:extLst>
   </p:cSld>
@@ -2316,7 +2316,7 @@
     </p:spTree>
     <p:extLst>
       <p:ext uri="{BB962C8B-B14F-4D97-AF65-F5344CB8AC3E}">
-        <p14:creationId xmlns="" xmlns:p14="http://schemas.microsoft.com/office/powerpoint/2010/main" val="1724467125"/>
+        <p14:creationId xmlns:p14="http://schemas.microsoft.com/office/powerpoint/2010/main" xmlns="" val="1724467125"/>
       </p:ext>
     </p:extLst>
   </p:cSld>
@@ -2499,7 +2499,7 @@
     </p:spTree>
     <p:extLst>
       <p:ext uri="{BB962C8B-B14F-4D97-AF65-F5344CB8AC3E}">
-        <p14:creationId xmlns="" xmlns:p14="http://schemas.microsoft.com/office/powerpoint/2010/main" val="3825920509"/>
+        <p14:creationId xmlns:p14="http://schemas.microsoft.com/office/powerpoint/2010/main" xmlns="" val="3825920509"/>
       </p:ext>
     </p:extLst>
   </p:cSld>
@@ -2546,7 +2546,7 @@
           <a:blip r:embed="rId5" cstate="print">
             <a:extLst>
               <a:ext uri="{28A0092B-C50C-407E-A947-70E740481C1C}">
-                <a14:useLocalDpi xmlns="" xmlns:a14="http://schemas.microsoft.com/office/drawing/2010/main" val="0"/>
+                <a14:useLocalDpi xmlns:a14="http://schemas.microsoft.com/office/drawing/2010/main" xmlns="" val="0"/>
               </a:ext>
             </a:extLst>
           </a:blip>
@@ -2569,14 +2569,14 @@
           </a:ln>
           <a:extLst>
             <a:ext uri="{909E8E84-426E-40dd-AFC4-6F175D3DCCD1}">
-              <a14:hiddenFill xmlns="" xmlns:a14="http://schemas.microsoft.com/office/drawing/2010/main">
+              <a14:hiddenFill xmlns:a14="http://schemas.microsoft.com/office/drawing/2010/main" xmlns="">
                 <a:solidFill>
                   <a:srgbClr val="FFFFFF"/>
                 </a:solidFill>
               </a14:hiddenFill>
             </a:ext>
             <a:ext uri="{91240B29-F687-4f45-9708-019B960494DF}">
-              <a14:hiddenLine xmlns="" xmlns:a14="http://schemas.microsoft.com/office/drawing/2010/main" w="9525">
+              <a14:hiddenLine xmlns:a14="http://schemas.microsoft.com/office/drawing/2010/main" xmlns="" w="9525">
                 <a:solidFill>
                   <a:srgbClr val="000000"/>
                 </a:solidFill>
@@ -2654,14 +2654,14 @@
           </a:ln>
           <a:extLst>
             <a:ext uri="{909E8E84-426E-40dd-AFC4-6F175D3DCCD1}">
-              <a14:hiddenFill xmlns="" xmlns:a14="http://schemas.microsoft.com/office/drawing/2010/main">
+              <a14:hiddenFill xmlns:a14="http://schemas.microsoft.com/office/drawing/2010/main" xmlns="">
                 <a:solidFill>
                   <a:srgbClr val="FFFFFF"/>
                 </a:solidFill>
               </a14:hiddenFill>
             </a:ext>
             <a:ext uri="{91240B29-F687-4f45-9708-019B960494DF}">
-              <a14:hiddenLine xmlns="" xmlns:a14="http://schemas.microsoft.com/office/drawing/2010/main" w="9525">
+              <a14:hiddenLine xmlns:a14="http://schemas.microsoft.com/office/drawing/2010/main" xmlns="" w="9525">
                 <a:solidFill>
                   <a:srgbClr val="000000"/>
                 </a:solidFill>
@@ -2671,7 +2671,7 @@
               </a14:hiddenLine>
             </a:ext>
             <a:ext uri="{FAA26D3D-D897-4be2-8F04-BA451C77F1D7}">
-              <ma14:placeholderFlag xmlns="" xmlns:ma14="http://schemas.microsoft.com/office/mac/drawingml/2011/main" val="1"/>
+              <ma14:placeholderFlag xmlns:ma14="http://schemas.microsoft.com/office/mac/drawingml/2011/main" xmlns="" val="1"/>
             </a:ext>
           </a:extLst>
         </p:spPr>
@@ -2720,14 +2720,14 @@
           </a:ln>
           <a:extLst>
             <a:ext uri="{909E8E84-426E-40dd-AFC4-6F175D3DCCD1}">
-              <a14:hiddenFill xmlns="" xmlns:a14="http://schemas.microsoft.com/office/drawing/2010/main">
+              <a14:hiddenFill xmlns:a14="http://schemas.microsoft.com/office/drawing/2010/main" xmlns="">
                 <a:solidFill>
                   <a:srgbClr val="FFFFFF"/>
                 </a:solidFill>
               </a14:hiddenFill>
             </a:ext>
             <a:ext uri="{91240B29-F687-4f45-9708-019B960494DF}">
-              <a14:hiddenLine xmlns="" xmlns:a14="http://schemas.microsoft.com/office/drawing/2010/main" w="9525">
+              <a14:hiddenLine xmlns:a14="http://schemas.microsoft.com/office/drawing/2010/main" xmlns="" w="9525">
                 <a:solidFill>
                   <a:srgbClr val="000000"/>
                 </a:solidFill>
@@ -2737,7 +2737,7 @@
               </a14:hiddenLine>
             </a:ext>
             <a:ext uri="{FAA26D3D-D897-4be2-8F04-BA451C77F1D7}">
-              <ma14:placeholderFlag xmlns="" xmlns:ma14="http://schemas.microsoft.com/office/mac/drawingml/2011/main" val="1"/>
+              <ma14:placeholderFlag xmlns:ma14="http://schemas.microsoft.com/office/mac/drawingml/2011/main" xmlns="" val="1"/>
             </a:ext>
           </a:extLst>
         </p:spPr>
@@ -2781,7 +2781,7 @@
     </p:spTree>
     <p:extLst>
       <p:ext uri="{BB962C8B-B14F-4D97-AF65-F5344CB8AC3E}">
-        <p14:creationId xmlns="" xmlns:p14="http://schemas.microsoft.com/office/powerpoint/2010/main" val="4048614870"/>
+        <p14:creationId xmlns:p14="http://schemas.microsoft.com/office/powerpoint/2010/main" xmlns="" val="4048614870"/>
       </p:ext>
     </p:extLst>
   </p:cSld>
@@ -3232,14 +3232,14 @@
           <a:effectLst/>
           <a:extLst>
             <a:ext uri="{909E8E84-426E-40dd-AFC4-6F175D3DCCD1}">
-              <a14:hiddenFill xmlns="" xmlns:a14="http://schemas.microsoft.com/office/drawing/2010/main">
+              <a14:hiddenFill xmlns:a14="http://schemas.microsoft.com/office/drawing/2010/main" xmlns="">
                 <a:solidFill>
                   <a:schemeClr val="accent1"/>
                 </a:solidFill>
               </a14:hiddenFill>
             </a:ext>
             <a:ext uri="{91240B29-F687-4f45-9708-019B960494DF}">
-              <a14:hiddenLine xmlns="" xmlns:a14="http://schemas.microsoft.com/office/drawing/2010/main" w="9525">
+              <a14:hiddenLine xmlns:a14="http://schemas.microsoft.com/office/drawing/2010/main" xmlns="" w="9525">
                 <a:solidFill>
                   <a:srgbClr val="FF6600"/>
                 </a:solidFill>
@@ -3249,7 +3249,7 @@
               </a14:hiddenLine>
             </a:ext>
             <a:ext uri="{AF507438-7753-43e0-B8FC-AC1667EBCBE1}">
-              <a14:hiddenEffects xmlns="" xmlns:a14="http://schemas.microsoft.com/office/drawing/2010/main">
+              <a14:hiddenEffects xmlns:a14="http://schemas.microsoft.com/office/drawing/2010/main" xmlns="">
                 <a:effectLst>
                   <a:outerShdw blurRad="63500" dist="38099" dir="2700000" algn="ctr" rotWithShape="0">
                     <a:schemeClr val="bg2">
@@ -3805,7 +3805,7 @@
           <a:blip r:embed="rId5" cstate="print">
             <a:extLst>
               <a:ext uri="{28A0092B-C50C-407E-A947-70E740481C1C}">
-                <a14:useLocalDpi xmlns="" xmlns:a14="http://schemas.microsoft.com/office/drawing/2010/main" val="0"/>
+                <a14:useLocalDpi xmlns:a14="http://schemas.microsoft.com/office/drawing/2010/main" xmlns="" val="0"/>
               </a:ext>
             </a:extLst>
           </a:blip>
@@ -3828,14 +3828,14 @@
           </a:ln>
           <a:extLst>
             <a:ext uri="{909E8E84-426E-40dd-AFC4-6F175D3DCCD1}">
-              <a14:hiddenFill xmlns="" xmlns:a14="http://schemas.microsoft.com/office/drawing/2010/main">
+              <a14:hiddenFill xmlns:a14="http://schemas.microsoft.com/office/drawing/2010/main" xmlns="">
                 <a:solidFill>
                   <a:srgbClr val="FFFFFF"/>
                 </a:solidFill>
               </a14:hiddenFill>
             </a:ext>
             <a:ext uri="{91240B29-F687-4f45-9708-019B960494DF}">
-              <a14:hiddenLine xmlns="" xmlns:a14="http://schemas.microsoft.com/office/drawing/2010/main" w="9525">
+              <a14:hiddenLine xmlns:a14="http://schemas.microsoft.com/office/drawing/2010/main" xmlns="" w="9525">
                 <a:solidFill>
                   <a:srgbClr val="000000"/>
                 </a:solidFill>
@@ -3913,14 +3913,14 @@
           </a:ln>
           <a:extLst>
             <a:ext uri="{909E8E84-426E-40dd-AFC4-6F175D3DCCD1}">
-              <a14:hiddenFill xmlns="" xmlns:a14="http://schemas.microsoft.com/office/drawing/2010/main">
+              <a14:hiddenFill xmlns:a14="http://schemas.microsoft.com/office/drawing/2010/main" xmlns="">
                 <a:solidFill>
                   <a:srgbClr val="FFFFFF"/>
                 </a:solidFill>
               </a14:hiddenFill>
             </a:ext>
             <a:ext uri="{91240B29-F687-4f45-9708-019B960494DF}">
-              <a14:hiddenLine xmlns="" xmlns:a14="http://schemas.microsoft.com/office/drawing/2010/main" w="9525">
+              <a14:hiddenLine xmlns:a14="http://schemas.microsoft.com/office/drawing/2010/main" xmlns="" w="9525">
                 <a:solidFill>
                   <a:srgbClr val="000000"/>
                 </a:solidFill>
@@ -3930,7 +3930,7 @@
               </a14:hiddenLine>
             </a:ext>
             <a:ext uri="{FAA26D3D-D897-4be2-8F04-BA451C77F1D7}">
-              <ma14:placeholderFlag xmlns="" xmlns:ma14="http://schemas.microsoft.com/office/mac/drawingml/2011/main" val="1"/>
+              <ma14:placeholderFlag xmlns:ma14="http://schemas.microsoft.com/office/mac/drawingml/2011/main" xmlns="" val="1"/>
             </a:ext>
           </a:extLst>
         </p:spPr>
@@ -3979,14 +3979,14 @@
           </a:ln>
           <a:extLst>
             <a:ext uri="{909E8E84-426E-40dd-AFC4-6F175D3DCCD1}">
-              <a14:hiddenFill xmlns="" xmlns:a14="http://schemas.microsoft.com/office/drawing/2010/main">
+              <a14:hiddenFill xmlns:a14="http://schemas.microsoft.com/office/drawing/2010/main" xmlns="">
                 <a:solidFill>
                   <a:srgbClr val="FFFFFF"/>
                 </a:solidFill>
               </a14:hiddenFill>
             </a:ext>
             <a:ext uri="{91240B29-F687-4f45-9708-019B960494DF}">
-              <a14:hiddenLine xmlns="" xmlns:a14="http://schemas.microsoft.com/office/drawing/2010/main" w="9525">
+              <a14:hiddenLine xmlns:a14="http://schemas.microsoft.com/office/drawing/2010/main" xmlns="" w="9525">
                 <a:solidFill>
                   <a:srgbClr val="000000"/>
                 </a:solidFill>
@@ -3996,7 +3996,7 @@
               </a14:hiddenLine>
             </a:ext>
             <a:ext uri="{FAA26D3D-D897-4be2-8F04-BA451C77F1D7}">
-              <ma14:placeholderFlag xmlns="" xmlns:ma14="http://schemas.microsoft.com/office/mac/drawingml/2011/main" val="1"/>
+              <ma14:placeholderFlag xmlns:ma14="http://schemas.microsoft.com/office/mac/drawingml/2011/main" xmlns="" val="1"/>
             </a:ext>
           </a:extLst>
         </p:spPr>
@@ -4040,7 +4040,7 @@
     </p:spTree>
     <p:extLst>
       <p:ext uri="{BB962C8B-B14F-4D97-AF65-F5344CB8AC3E}">
-        <p14:creationId xmlns="" xmlns:p14="http://schemas.microsoft.com/office/powerpoint/2010/main" val="4048614870"/>
+        <p14:creationId xmlns:p14="http://schemas.microsoft.com/office/powerpoint/2010/main" xmlns="" val="4048614870"/>
       </p:ext>
     </p:extLst>
   </p:cSld>
@@ -4702,7 +4702,7 @@
           <a:blip r:embed="rId3" cstate="print">
             <a:extLst>
               <a:ext uri="{28A0092B-C50C-407E-A947-70E740481C1C}">
-                <a14:useLocalDpi xmlns="" xmlns:a14="http://schemas.microsoft.com/office/drawing/2010/main" val="0"/>
+                <a14:useLocalDpi xmlns:a14="http://schemas.microsoft.com/office/drawing/2010/main" xmlns="" val="0"/>
               </a:ext>
             </a:extLst>
           </a:blip>
@@ -4723,7 +4723,7 @@
     </p:spTree>
     <p:extLst>
       <p:ext uri="{BB962C8B-B14F-4D97-AF65-F5344CB8AC3E}">
-        <p14:creationId xmlns="" xmlns:p14="http://schemas.microsoft.com/office/powerpoint/2010/main" val="2572022632"/>
+        <p14:creationId xmlns:p14="http://schemas.microsoft.com/office/powerpoint/2010/main" xmlns="" val="2572022632"/>
       </p:ext>
     </p:extLst>
   </p:cSld>
@@ -4731,7 +4731,7 @@
     <a:masterClrMapping/>
   </p:clrMapOvr>
   <mc:AlternateContent xmlns:mc="http://schemas.openxmlformats.org/markup-compatibility/2006">
-    <mc:Choice xmlns="" xmlns:p14="http://schemas.microsoft.com/office/powerpoint/2010/main" Requires="p14">
+    <mc:Choice xmlns:p14="http://schemas.microsoft.com/office/powerpoint/2010/main" xmlns="" Requires="p14">
       <p:transition spd="slow" p14:dur="2000" advTm="19458"/>
     </mc:Choice>
     <mc:Fallback>
@@ -4904,7 +4904,7 @@
           <p:nvPr/>
         </p:nvGraphicFramePr>
         <p:xfrm>
-          <a:off x="1711662" y="5341257"/>
+          <a:off x="1443057" y="5341257"/>
           <a:ext cx="6271195" cy="792480"/>
         </p:xfrm>
         <a:graphic>
@@ -7513,215 +7513,6 @@
           <a:chExt cx="0" cy="0"/>
         </a:xfrm>
       </p:grpSpPr>
-      <p:sp>
-        <p:nvSpPr>
-          <p:cNvPr id="2" name="Segnaposto testo 1"/>
-          <p:cNvSpPr>
-            <a:spLocks noGrp="1"/>
-          </p:cNvSpPr>
-          <p:nvPr>
-            <p:ph type="body" sz="quarter" idx="10"/>
-          </p:nvPr>
-        </p:nvSpPr>
-        <p:spPr/>
-        <p:txBody>
-          <a:bodyPr/>
-          <a:lstStyle/>
-          <a:p>
-            <a:r>
-              <a:rPr lang="it-IT" dirty="0" smtClean="0"/>
-              <a:t>Soluzione proposta – </a:t>
-            </a:r>
-            <a:r>
-              <a:rPr lang="it-IT" dirty="0" err="1" smtClean="0"/>
-              <a:t>Dynamic</a:t>
-            </a:r>
-            <a:r>
-              <a:rPr lang="it-IT" dirty="0" smtClean="0"/>
-              <a:t> </a:t>
-            </a:r>
-            <a:r>
-              <a:rPr lang="it-IT" dirty="0" err="1" smtClean="0"/>
-              <a:t>Fanout</a:t>
-            </a:r>
-            <a:endParaRPr lang="it-IT" dirty="0"/>
-          </a:p>
-        </p:txBody>
-      </p:sp>
-      <p:sp>
-        <p:nvSpPr>
-          <p:cNvPr id="5125" name="Rectangle 5"/>
-          <p:cNvSpPr>
-            <a:spLocks noChangeArrowheads="1"/>
-          </p:cNvSpPr>
-          <p:nvPr/>
-        </p:nvSpPr>
-        <p:spPr bwMode="auto">
-          <a:xfrm>
-            <a:off x="0" y="0"/>
-            <a:ext cx="9144000" cy="0"/>
-          </a:xfrm>
-          <a:prstGeom prst="rect">
-            <a:avLst/>
-          </a:prstGeom>
-          <a:noFill/>
-          <a:ln w="9525">
-            <a:noFill/>
-            <a:miter lim="800000"/>
-            <a:headEnd/>
-            <a:tailEnd/>
-          </a:ln>
-          <a:effectLst/>
-        </p:spPr>
-        <p:txBody>
-          <a:bodyPr vert="horz" wrap="none" lIns="91440" tIns="45720" rIns="91440" bIns="45720" numCol="1" anchor="ctr" anchorCtr="0" compatLnSpc="1">
-            <a:prstTxWarp prst="textNoShape">
-              <a:avLst/>
-            </a:prstTxWarp>
-            <a:spAutoFit/>
-          </a:bodyPr>
-          <a:lstStyle/>
-          <a:p>
-            <a:endParaRPr lang="it-IT"/>
-          </a:p>
-        </p:txBody>
-      </p:sp>
-      <p:pic>
-        <p:nvPicPr>
-          <p:cNvPr id="5129" name="Picture 9" descr="C:\Users\Lorenzo\Documents\GitHub\Tesi\img\grafici_usati\DF_battery_factor.png"/>
-          <p:cNvPicPr>
-            <a:picLocks noChangeAspect="1" noChangeArrowheads="1"/>
-          </p:cNvPicPr>
-          <p:nvPr/>
-        </p:nvPicPr>
-        <p:blipFill>
-          <a:blip r:embed="rId2" cstate="print"/>
-          <a:srcRect/>
-          <a:stretch>
-            <a:fillRect/>
-          </a:stretch>
-        </p:blipFill>
-        <p:spPr bwMode="auto">
-          <a:xfrm>
-            <a:off x="-1" y="869539"/>
-            <a:ext cx="4629281" cy="3658918"/>
-          </a:xfrm>
-          <a:prstGeom prst="rect">
-            <a:avLst/>
-          </a:prstGeom>
-          <a:noFill/>
-        </p:spPr>
-      </p:pic>
-      <p:pic>
-        <p:nvPicPr>
-          <p:cNvPr id="5128" name="Picture 8" descr="C:\Users\Lorenzo\Documents\GitHub\Tesi\img\grafici_usati\DF_andamento_teorico.png"/>
-          <p:cNvPicPr>
-            <a:picLocks noChangeAspect="1" noChangeArrowheads="1"/>
-          </p:cNvPicPr>
-          <p:nvPr/>
-        </p:nvPicPr>
-        <p:blipFill>
-          <a:blip r:embed="rId3" cstate="print"/>
-          <a:srcRect/>
-          <a:stretch>
-            <a:fillRect/>
-          </a:stretch>
-        </p:blipFill>
-        <p:spPr bwMode="auto">
-          <a:xfrm>
-            <a:off x="4371964" y="2792413"/>
-            <a:ext cx="4684952" cy="3744458"/>
-          </a:xfrm>
-          <a:prstGeom prst="rect">
-            <a:avLst/>
-          </a:prstGeom>
-          <a:noFill/>
-        </p:spPr>
-      </p:pic>
-      <p:pic>
-        <p:nvPicPr>
-          <p:cNvPr id="5130" name="Picture 10" descr="C:\Users\Lorenzo\Documents\GitHub\Tesi\img\formule_presentazione\DF_FB.png"/>
-          <p:cNvPicPr>
-            <a:picLocks noChangeAspect="1" noChangeArrowheads="1"/>
-          </p:cNvPicPr>
-          <p:nvPr/>
-        </p:nvPicPr>
-        <p:blipFill>
-          <a:blip r:embed="rId4" cstate="print"/>
-          <a:srcRect/>
-          <a:stretch>
-            <a:fillRect/>
-          </a:stretch>
-        </p:blipFill>
-        <p:spPr bwMode="auto">
-          <a:xfrm>
-            <a:off x="4900509" y="1287305"/>
-            <a:ext cx="2408052" cy="718992"/>
-          </a:xfrm>
-          <a:prstGeom prst="rect">
-            <a:avLst/>
-          </a:prstGeom>
-          <a:noFill/>
-        </p:spPr>
-      </p:pic>
-      <p:pic>
-        <p:nvPicPr>
-          <p:cNvPr id="5131" name="Picture 11" descr="C:\Users\Lorenzo\Documents\GitHub\Tesi\img\formule_presentazione\DF_FC.png"/>
-          <p:cNvPicPr>
-            <a:picLocks noChangeAspect="1" noChangeArrowheads="1"/>
-          </p:cNvPicPr>
-          <p:nvPr/>
-        </p:nvPicPr>
-        <p:blipFill>
-          <a:blip r:embed="rId5" cstate="print"/>
-          <a:srcRect/>
-          <a:stretch>
-            <a:fillRect/>
-          </a:stretch>
-        </p:blipFill>
-        <p:spPr bwMode="auto">
-          <a:xfrm>
-            <a:off x="2391125" y="5485315"/>
-            <a:ext cx="1980839" cy="468000"/>
-          </a:xfrm>
-          <a:prstGeom prst="rect">
-            <a:avLst/>
-          </a:prstGeom>
-          <a:noFill/>
-        </p:spPr>
-      </p:pic>
-    </p:spTree>
-  </p:cSld>
-  <p:clrMapOvr>
-    <a:masterClrMapping/>
-  </p:clrMapOvr>
-  <p:timing>
-    <p:tnLst>
-      <p:par>
-        <p:cTn id="1" dur="indefinite" restart="never" nodeType="tmRoot"/>
-      </p:par>
-    </p:tnLst>
-  </p:timing>
-</p:sld>
-</file>
-
-<file path=ppt/slides/slide16.xml><?xml version="1.0" encoding="utf-8"?>
-<p:sld xmlns:a="http://schemas.openxmlformats.org/drawingml/2006/main" xmlns:r="http://schemas.openxmlformats.org/officeDocument/2006/relationships" xmlns:p="http://schemas.openxmlformats.org/presentationml/2006/main">
-  <p:cSld>
-    <p:spTree>
-      <p:nvGrpSpPr>
-        <p:cNvPr id="1" name=""/>
-        <p:cNvGrpSpPr/>
-        <p:nvPr/>
-      </p:nvGrpSpPr>
-      <p:grpSpPr>
-        <a:xfrm>
-          <a:off x="0" y="0"/>
-          <a:ext cx="0" cy="0"/>
-          <a:chOff x="0" y="0"/>
-          <a:chExt cx="0" cy="0"/>
-        </a:xfrm>
-      </p:grpSpPr>
       <p:pic>
         <p:nvPicPr>
           <p:cNvPr id="43012" name="Picture 4" descr="C:\Users\Lorenzo\Documents\GitHub\Tesi\img\grafici_usati\DF_tot_no_arr.png"/>
@@ -7739,7 +7530,7 @@
         </p:blipFill>
         <p:spPr bwMode="auto">
           <a:xfrm>
-            <a:off x="1802244" y="1896331"/>
+            <a:off x="3280316" y="1855788"/>
             <a:ext cx="5863684" cy="4680000"/>
           </a:xfrm>
           <a:prstGeom prst="rect">
@@ -7847,6 +7638,84 @@
           <a:noFill/>
         </p:spPr>
       </p:pic>
+      <p:pic>
+        <p:nvPicPr>
+          <p:cNvPr id="6" name="Picture 10" descr="C:\Users\Lorenzo\Documents\GitHub\Tesi\img\formule_presentazione\DF_FB.png"/>
+          <p:cNvPicPr>
+            <a:picLocks noChangeAspect="1" noChangeArrowheads="1"/>
+          </p:cNvPicPr>
+          <p:nvPr/>
+        </p:nvPicPr>
+        <p:blipFill>
+          <a:blip r:embed="rId4" cstate="print"/>
+          <a:srcRect/>
+          <a:stretch>
+            <a:fillRect/>
+          </a:stretch>
+        </p:blipFill>
+        <p:spPr bwMode="auto">
+          <a:xfrm>
+            <a:off x="282789" y="2969088"/>
+            <a:ext cx="2408052" cy="718992"/>
+          </a:xfrm>
+          <a:prstGeom prst="rect">
+            <a:avLst/>
+          </a:prstGeom>
+          <a:noFill/>
+        </p:spPr>
+      </p:pic>
+      <p:pic>
+        <p:nvPicPr>
+          <p:cNvPr id="7" name="Picture 11" descr="C:\Users\Lorenzo\Documents\GitHub\Tesi\img\formule_presentazione\DF_FC.png"/>
+          <p:cNvPicPr>
+            <a:picLocks noChangeAspect="1" noChangeArrowheads="1"/>
+          </p:cNvPicPr>
+          <p:nvPr/>
+        </p:nvPicPr>
+        <p:blipFill>
+          <a:blip r:embed="rId5" cstate="print"/>
+          <a:srcRect/>
+          <a:stretch>
+            <a:fillRect/>
+          </a:stretch>
+        </p:blipFill>
+        <p:spPr bwMode="auto">
+          <a:xfrm>
+            <a:off x="282789" y="3922080"/>
+            <a:ext cx="1980839" cy="468000"/>
+          </a:xfrm>
+          <a:prstGeom prst="rect">
+            <a:avLst/>
+          </a:prstGeom>
+          <a:noFill/>
+        </p:spPr>
+      </p:pic>
+      <p:pic>
+        <p:nvPicPr>
+          <p:cNvPr id="1026" name="Picture 2" descr="C:\Users\Lorenzo\Documents\GitHub\Tesi\img\immagini_presentazione\DF_asintoto.png"/>
+          <p:cNvPicPr>
+            <a:picLocks noChangeAspect="1" noChangeArrowheads="1"/>
+          </p:cNvPicPr>
+          <p:nvPr/>
+        </p:nvPicPr>
+        <p:blipFill>
+          <a:blip r:embed="rId6" cstate="print"/>
+          <a:srcRect/>
+          <a:stretch>
+            <a:fillRect/>
+          </a:stretch>
+        </p:blipFill>
+        <p:spPr bwMode="auto">
+          <a:xfrm>
+            <a:off x="282789" y="4640141"/>
+            <a:ext cx="2880000" cy="317415"/>
+          </a:xfrm>
+          <a:prstGeom prst="rect">
+            <a:avLst/>
+          </a:prstGeom>
+          <a:noFill/>
+        </p:spPr>
+      </p:pic>
     </p:spTree>
   </p:cSld>
   <p:clrMapOvr>
@@ -7862,7 +7731,7 @@
 </p:sld>
 </file>
 
-<file path=ppt/slides/slide17.xml><?xml version="1.0" encoding="utf-8"?>
+<file path=ppt/slides/slide16.xml><?xml version="1.0" encoding="utf-8"?>
 <p:sld xmlns:a="http://schemas.openxmlformats.org/drawingml/2006/main" xmlns:r="http://schemas.openxmlformats.org/officeDocument/2006/relationships" xmlns:p="http://schemas.openxmlformats.org/presentationml/2006/main">
   <p:cSld>
     <p:spTree>
@@ -8011,7 +7880,7 @@
 </p:sld>
 </file>
 
-<file path=ppt/slides/slide18.xml><?xml version="1.0" encoding="utf-8"?>
+<file path=ppt/slides/slide17.xml><?xml version="1.0" encoding="utf-8"?>
 <p:sld xmlns:a="http://schemas.openxmlformats.org/drawingml/2006/main" xmlns:r="http://schemas.openxmlformats.org/officeDocument/2006/relationships" xmlns:p="http://schemas.openxmlformats.org/presentationml/2006/main">
   <p:cSld>
     <p:spTree>
@@ -8162,7 +8031,7 @@
 </p:sld>
 </file>
 
-<file path=ppt/slides/slide19.xml><?xml version="1.0" encoding="utf-8"?>
+<file path=ppt/slides/slide18.xml><?xml version="1.0" encoding="utf-8"?>
 <p:sld xmlns:a="http://schemas.openxmlformats.org/drawingml/2006/main" xmlns:r="http://schemas.openxmlformats.org/officeDocument/2006/relationships" xmlns:p="http://schemas.openxmlformats.org/presentationml/2006/main">
   <p:cSld>
     <p:spTree>
@@ -8339,7 +8208,9 @@
               </a:rPr>
               <a:t>Sinergia con il Bluetooth </a:t>
             </a:r>
-            <a:endParaRPr lang="it-IT" sz="2400" dirty="0" smtClean="0"/>
+            <a:endParaRPr lang="it-IT" sz="2400" dirty="0" smtClean="0">
+              <a:latin typeface="Calibri"/>
+            </a:endParaRPr>
           </a:p>
         </p:txBody>
       </p:sp>
@@ -8358,128 +8229,7 @@
 </p:sld>
 </file>
 
-<file path=ppt/slides/slide2.xml><?xml version="1.0" encoding="utf-8"?>
-<p:sld xmlns:a="http://schemas.openxmlformats.org/drawingml/2006/main" xmlns:r="http://schemas.openxmlformats.org/officeDocument/2006/relationships" xmlns:p="http://schemas.openxmlformats.org/presentationml/2006/main">
-  <p:cSld>
-    <p:spTree>
-      <p:nvGrpSpPr>
-        <p:cNvPr id="1" name=""/>
-        <p:cNvGrpSpPr/>
-        <p:nvPr/>
-      </p:nvGrpSpPr>
-      <p:grpSpPr>
-        <a:xfrm>
-          <a:off x="0" y="0"/>
-          <a:ext cx="0" cy="0"/>
-          <a:chOff x="0" y="0"/>
-          <a:chExt cx="0" cy="0"/>
-        </a:xfrm>
-      </p:grpSpPr>
-      <p:sp>
-        <p:nvSpPr>
-          <p:cNvPr id="3" name="Segnaposto testo 2"/>
-          <p:cNvSpPr>
-            <a:spLocks noGrp="1"/>
-          </p:cNvSpPr>
-          <p:nvPr>
-            <p:ph type="body" sz="quarter" idx="10"/>
-          </p:nvPr>
-        </p:nvSpPr>
-        <p:spPr/>
-        <p:txBody>
-          <a:bodyPr/>
-          <a:lstStyle/>
-          <a:p>
-            <a:r>
-              <a:rPr lang="it-IT" dirty="0" smtClean="0"/>
-              <a:t>Sommario</a:t>
-            </a:r>
-          </a:p>
-        </p:txBody>
-      </p:sp>
-      <p:sp>
-        <p:nvSpPr>
-          <p:cNvPr id="4" name="Segnaposto testo 3"/>
-          <p:cNvSpPr>
-            <a:spLocks noGrp="1"/>
-          </p:cNvSpPr>
-          <p:nvPr>
-            <p:ph type="body" sz="quarter" idx="11"/>
-          </p:nvPr>
-        </p:nvSpPr>
-        <p:spPr/>
-        <p:txBody>
-          <a:bodyPr/>
-          <a:lstStyle/>
-          <a:p>
-            <a:pPr>
-              <a:buFont typeface="Arial" pitchFamily="34" charset="0"/>
-              <a:buChar char="•"/>
-            </a:pPr>
-            <a:r>
-              <a:rPr lang="it-IT" dirty="0" smtClean="0"/>
-              <a:t>Introduzione</a:t>
-            </a:r>
-          </a:p>
-          <a:p>
-            <a:pPr>
-              <a:buFont typeface="Arial" pitchFamily="34" charset="0"/>
-              <a:buChar char="•"/>
-            </a:pPr>
-            <a:r>
-              <a:rPr lang="it-IT" dirty="0" smtClean="0"/>
-              <a:t>Studio di fattibilità</a:t>
-            </a:r>
-          </a:p>
-          <a:p>
-            <a:pPr>
-              <a:buFont typeface="Arial" pitchFamily="34" charset="0"/>
-              <a:buChar char="•"/>
-            </a:pPr>
-            <a:r>
-              <a:rPr lang="it-IT" dirty="0" smtClean="0"/>
-              <a:t>Soluzione proposta</a:t>
-            </a:r>
-          </a:p>
-          <a:p>
-            <a:pPr>
-              <a:buFont typeface="Arial" pitchFamily="34" charset="0"/>
-              <a:buChar char="•"/>
-            </a:pPr>
-            <a:r>
-              <a:rPr lang="it-IT" dirty="0" smtClean="0"/>
-              <a:t>Prove sperimentali</a:t>
-            </a:r>
-          </a:p>
-          <a:p>
-            <a:pPr>
-              <a:buFont typeface="Arial" pitchFamily="34" charset="0"/>
-              <a:buChar char="•"/>
-            </a:pPr>
-            <a:r>
-              <a:rPr lang="it-IT" dirty="0" smtClean="0"/>
-              <a:t>Conclusioni</a:t>
-            </a:r>
-            <a:endParaRPr lang="it-IT" dirty="0"/>
-          </a:p>
-        </p:txBody>
-      </p:sp>
-    </p:spTree>
-  </p:cSld>
-  <p:clrMapOvr>
-    <a:masterClrMapping/>
-  </p:clrMapOvr>
-  <p:timing>
-    <p:tnLst>
-      <p:par>
-        <p:cTn id="1" dur="indefinite" restart="never" nodeType="tmRoot"/>
-      </p:par>
-    </p:tnLst>
-  </p:timing>
-</p:sld>
-</file>
-
-<file path=ppt/slides/slide20.xml><?xml version="1.0" encoding="utf-8"?>
+<file path=ppt/slides/slide19.xml><?xml version="1.0" encoding="utf-8"?>
 <p:sld xmlns:a="http://schemas.openxmlformats.org/drawingml/2006/main" xmlns:r="http://schemas.openxmlformats.org/officeDocument/2006/relationships" xmlns:p="http://schemas.openxmlformats.org/presentationml/2006/main">
   <p:cSld>
     <p:spTree>
@@ -8692,7 +8442,128 @@
 </p:sld>
 </file>
 
-<file path=ppt/slides/slide21.xml><?xml version="1.0" encoding="utf-8"?>
+<file path=ppt/slides/slide2.xml><?xml version="1.0" encoding="utf-8"?>
+<p:sld xmlns:a="http://schemas.openxmlformats.org/drawingml/2006/main" xmlns:r="http://schemas.openxmlformats.org/officeDocument/2006/relationships" xmlns:p="http://schemas.openxmlformats.org/presentationml/2006/main">
+  <p:cSld>
+    <p:spTree>
+      <p:nvGrpSpPr>
+        <p:cNvPr id="1" name=""/>
+        <p:cNvGrpSpPr/>
+        <p:nvPr/>
+      </p:nvGrpSpPr>
+      <p:grpSpPr>
+        <a:xfrm>
+          <a:off x="0" y="0"/>
+          <a:ext cx="0" cy="0"/>
+          <a:chOff x="0" y="0"/>
+          <a:chExt cx="0" cy="0"/>
+        </a:xfrm>
+      </p:grpSpPr>
+      <p:sp>
+        <p:nvSpPr>
+          <p:cNvPr id="3" name="Segnaposto testo 2"/>
+          <p:cNvSpPr>
+            <a:spLocks noGrp="1"/>
+          </p:cNvSpPr>
+          <p:nvPr>
+            <p:ph type="body" sz="quarter" idx="10"/>
+          </p:nvPr>
+        </p:nvSpPr>
+        <p:spPr/>
+        <p:txBody>
+          <a:bodyPr/>
+          <a:lstStyle/>
+          <a:p>
+            <a:r>
+              <a:rPr lang="it-IT" dirty="0" smtClean="0"/>
+              <a:t>Sommario</a:t>
+            </a:r>
+          </a:p>
+        </p:txBody>
+      </p:sp>
+      <p:sp>
+        <p:nvSpPr>
+          <p:cNvPr id="4" name="Segnaposto testo 3"/>
+          <p:cNvSpPr>
+            <a:spLocks noGrp="1"/>
+          </p:cNvSpPr>
+          <p:nvPr>
+            <p:ph type="body" sz="quarter" idx="11"/>
+          </p:nvPr>
+        </p:nvSpPr>
+        <p:spPr/>
+        <p:txBody>
+          <a:bodyPr/>
+          <a:lstStyle/>
+          <a:p>
+            <a:pPr>
+              <a:buFont typeface="Arial" pitchFamily="34" charset="0"/>
+              <a:buChar char="•"/>
+            </a:pPr>
+            <a:r>
+              <a:rPr lang="it-IT" dirty="0" smtClean="0"/>
+              <a:t>Introduzione</a:t>
+            </a:r>
+          </a:p>
+          <a:p>
+            <a:pPr>
+              <a:buFont typeface="Arial" pitchFamily="34" charset="0"/>
+              <a:buChar char="•"/>
+            </a:pPr>
+            <a:r>
+              <a:rPr lang="it-IT" dirty="0" smtClean="0"/>
+              <a:t>Studio di fattibilità</a:t>
+            </a:r>
+          </a:p>
+          <a:p>
+            <a:pPr>
+              <a:buFont typeface="Arial" pitchFamily="34" charset="0"/>
+              <a:buChar char="•"/>
+            </a:pPr>
+            <a:r>
+              <a:rPr lang="it-IT" dirty="0" smtClean="0"/>
+              <a:t>Soluzione proposta</a:t>
+            </a:r>
+          </a:p>
+          <a:p>
+            <a:pPr>
+              <a:buFont typeface="Arial" pitchFamily="34" charset="0"/>
+              <a:buChar char="•"/>
+            </a:pPr>
+            <a:r>
+              <a:rPr lang="it-IT" dirty="0" smtClean="0"/>
+              <a:t>Prove sperimentali</a:t>
+            </a:r>
+          </a:p>
+          <a:p>
+            <a:pPr>
+              <a:buFont typeface="Arial" pitchFamily="34" charset="0"/>
+              <a:buChar char="•"/>
+            </a:pPr>
+            <a:r>
+              <a:rPr lang="it-IT" dirty="0" smtClean="0"/>
+              <a:t>Conclusioni</a:t>
+            </a:r>
+            <a:endParaRPr lang="it-IT" dirty="0"/>
+          </a:p>
+        </p:txBody>
+      </p:sp>
+    </p:spTree>
+  </p:cSld>
+  <p:clrMapOvr>
+    <a:masterClrMapping/>
+  </p:clrMapOvr>
+  <p:timing>
+    <p:tnLst>
+      <p:par>
+        <p:cTn id="1" dur="indefinite" restart="never" nodeType="tmRoot"/>
+      </p:par>
+    </p:tnLst>
+  </p:timing>
+</p:sld>
+</file>
+
+<file path=ppt/slides/slide20.xml><?xml version="1.0" encoding="utf-8"?>
 <p:sld xmlns:a="http://schemas.openxmlformats.org/drawingml/2006/main" xmlns:r="http://schemas.openxmlformats.org/officeDocument/2006/relationships" xmlns:p="http://schemas.openxmlformats.org/presentationml/2006/main">
   <p:cSld>
     <p:spTree>
@@ -8798,7 +8669,7 @@
 </p:sld>
 </file>
 
-<file path=ppt/slides/slide22.xml><?xml version="1.0" encoding="utf-8"?>
+<file path=ppt/slides/slide21.xml><?xml version="1.0" encoding="utf-8"?>
 <p:sld xmlns:a="http://schemas.openxmlformats.org/drawingml/2006/main" xmlns:r="http://schemas.openxmlformats.org/officeDocument/2006/relationships" xmlns:p="http://schemas.openxmlformats.org/presentationml/2006/main">
   <p:cSld>
     <p:spTree>
@@ -8878,7 +8749,7 @@
 </p:sld>
 </file>
 
-<file path=ppt/slides/slide23.xml><?xml version="1.0" encoding="utf-8"?>
+<file path=ppt/slides/slide22.xml><?xml version="1.0" encoding="utf-8"?>
 <p:sld xmlns:a="http://schemas.openxmlformats.org/drawingml/2006/main" xmlns:r="http://schemas.openxmlformats.org/officeDocument/2006/relationships" xmlns:p="http://schemas.openxmlformats.org/presentationml/2006/main">
   <p:cSld>
     <p:spTree>
@@ -9023,7 +8894,7 @@
 </p:sld>
 </file>
 
-<file path=ppt/slides/slide24.xml><?xml version="1.0" encoding="utf-8"?>
+<file path=ppt/slides/slide23.xml><?xml version="1.0" encoding="utf-8"?>
 <p:sld xmlns:a="http://schemas.openxmlformats.org/drawingml/2006/main" xmlns:r="http://schemas.openxmlformats.org/officeDocument/2006/relationships" xmlns:p="http://schemas.openxmlformats.org/presentationml/2006/main">
   <p:cSld>
     <p:spTree>
@@ -9094,8 +8965,13 @@
             </a:pPr>
             <a:r>
               <a:rPr lang="it-IT" sz="2400" dirty="0" smtClean="0"/>
-              <a:t>BLE, offre un basso consumo energetico</a:t>
+              <a:t>BLE, </a:t>
             </a:r>
+            <a:r>
+              <a:rPr lang="it-IT" sz="2400" dirty="0" smtClean="0"/>
+              <a:t>consumo energetico molto basso</a:t>
+            </a:r>
+            <a:endParaRPr lang="it-IT" sz="2400" dirty="0" smtClean="0"/>
           </a:p>
           <a:p>
             <a:pPr>
@@ -9114,7 +8990,11 @@
             </a:pPr>
             <a:r>
               <a:rPr lang="it-IT" sz="2400" dirty="0" smtClean="0"/>
-              <a:t>La soluzione si adatta bene ai cambiamenti esterni/interni</a:t>
+              <a:t>Buon adattamento ai </a:t>
+            </a:r>
+            <a:r>
+              <a:rPr lang="it-IT" sz="2400" dirty="0" smtClean="0"/>
+              <a:t>cambiamenti esterni/interni</a:t>
             </a:r>
           </a:p>
           <a:p>
@@ -9143,8 +9023,17 @@
             </a:pPr>
             <a:r>
               <a:rPr lang="it-IT" sz="2400" dirty="0" smtClean="0"/>
-              <a:t>Mobilità dei nodi</a:t>
+              <a:t>Mobilità </a:t>
             </a:r>
+            <a:r>
+              <a:rPr lang="it-IT" sz="2400" smtClean="0"/>
+              <a:t>dei </a:t>
+            </a:r>
+            <a:r>
+              <a:rPr lang="it-IT" sz="2400" smtClean="0"/>
+              <a:t>nodi</a:t>
+            </a:r>
+            <a:endParaRPr lang="it-IT" sz="2400" dirty="0" smtClean="0"/>
           </a:p>
           <a:p>
             <a:pPr>
@@ -9153,8 +9042,13 @@
             </a:pPr>
             <a:r>
               <a:rPr lang="it-IT" sz="2400" dirty="0" smtClean="0"/>
-              <a:t>Migliore distribuzione dei nodi</a:t>
+              <a:t>Migliore distribuzione dei </a:t>
             </a:r>
+            <a:r>
+              <a:rPr lang="it-IT" sz="2400" dirty="0" smtClean="0"/>
+              <a:t>nodi</a:t>
+            </a:r>
+            <a:endParaRPr lang="it-IT" sz="2400" dirty="0" smtClean="0"/>
           </a:p>
           <a:p>
             <a:pPr>
@@ -9183,7 +9077,15 @@
             </a:pPr>
             <a:r>
               <a:rPr lang="it-IT" sz="2400" dirty="0" smtClean="0"/>
-              <a:t>Nuovi algoritmi più efficienti</a:t>
+              <a:t>Nuovi algoritmi </a:t>
+            </a:r>
+            <a:r>
+              <a:rPr lang="it-IT" sz="2400" dirty="0" smtClean="0"/>
+              <a:t>di gossip più </a:t>
+            </a:r>
+            <a:r>
+              <a:rPr lang="it-IT" sz="2400" dirty="0" smtClean="0"/>
+              <a:t>efficienti</a:t>
             </a:r>
             <a:endParaRPr lang="it-IT" sz="2400" dirty="0"/>
           </a:p>
@@ -9204,7 +9106,7 @@
 </p:sld>
 </file>
 
-<file path=ppt/slides/slide25.xml><?xml version="1.0" encoding="utf-8"?>
+<file path=ppt/slides/slide24.xml><?xml version="1.0" encoding="utf-8"?>
 <p:sld xmlns:a="http://schemas.openxmlformats.org/drawingml/2006/main" xmlns:r="http://schemas.openxmlformats.org/officeDocument/2006/relationships" xmlns:p="http://schemas.openxmlformats.org/presentationml/2006/main">
   <p:cSld>
     <p:spTree>
@@ -9233,7 +9135,7 @@
           <a:blip r:embed="rId2" cstate="print">
             <a:extLst>
               <a:ext uri="{28A0092B-C50C-407E-A947-70E740481C1C}">
-                <a14:useLocalDpi xmlns="" xmlns:a14="http://schemas.microsoft.com/office/drawing/2010/main" val="0"/>
+                <a14:useLocalDpi xmlns:a14="http://schemas.microsoft.com/office/drawing/2010/main" xmlns="" val="0"/>
               </a:ext>
             </a:extLst>
           </a:blip>
@@ -9308,7 +9210,7 @@
     </p:spTree>
     <p:extLst>
       <p:ext uri="{BB962C8B-B14F-4D97-AF65-F5344CB8AC3E}">
-        <p14:creationId xmlns="" xmlns:p14="http://schemas.microsoft.com/office/powerpoint/2010/main" val="1982816369"/>
+        <p14:creationId xmlns:p14="http://schemas.microsoft.com/office/powerpoint/2010/main" xmlns="" val="1982816369"/>
       </p:ext>
     </p:extLst>
   </p:cSld>
@@ -9316,7 +9218,7 @@
     <a:masterClrMapping/>
   </p:clrMapOvr>
   <mc:AlternateContent xmlns:mc="http://schemas.openxmlformats.org/markup-compatibility/2006">
-    <mc:Choice xmlns="" xmlns:p14="http://schemas.microsoft.com/office/powerpoint/2010/main" Requires="p14">
+    <mc:Choice xmlns:p14="http://schemas.microsoft.com/office/powerpoint/2010/main" xmlns="" Requires="p14">
       <p:transition spd="slow" p14:dur="2000" advTm="5275"/>
     </mc:Choice>
     <mc:Fallback>
@@ -9333,7 +9235,7 @@
 </p:sld>
 </file>
 
-<file path=ppt/slides/slide26.xml><?xml version="1.0" encoding="utf-8"?>
+<file path=ppt/slides/slide25.xml><?xml version="1.0" encoding="utf-8"?>
 <p:sld xmlns:a="http://schemas.openxmlformats.org/drawingml/2006/main" xmlns:r="http://schemas.openxmlformats.org/officeDocument/2006/relationships" xmlns:p="http://schemas.openxmlformats.org/presentationml/2006/main">
   <p:cSld>
     <p:spTree>
@@ -9403,7 +9305,7 @@
 </p:sld>
 </file>
 
-<file path=ppt/slides/slide27.xml><?xml version="1.0" encoding="utf-8"?>
+<file path=ppt/slides/slide26.xml><?xml version="1.0" encoding="utf-8"?>
 <p:sld xmlns:a="http://schemas.openxmlformats.org/drawingml/2006/main" xmlns:r="http://schemas.openxmlformats.org/officeDocument/2006/relationships" xmlns:p="http://schemas.openxmlformats.org/presentationml/2006/main">
   <p:cSld>
     <p:spTree>
@@ -19095,7 +18997,7 @@
 </p:sld>
 </file>
 
-<file path=ppt/slides/slide28.xml><?xml version="1.0" encoding="utf-8"?>
+<file path=ppt/slides/slide27.xml><?xml version="1.0" encoding="utf-8"?>
 <p:sld xmlns:a="http://schemas.openxmlformats.org/drawingml/2006/main" xmlns:r="http://schemas.openxmlformats.org/officeDocument/2006/relationships" xmlns:p="http://schemas.openxmlformats.org/presentationml/2006/main">
   <p:cSld>
     <p:spTree>
@@ -25977,7 +25879,7 @@
 </p:sld>
 </file>
 
-<file path=ppt/slides/slide29.xml><?xml version="1.0" encoding="utf-8"?>
+<file path=ppt/slides/slide28.xml><?xml version="1.0" encoding="utf-8"?>
 <p:sld xmlns:a="http://schemas.openxmlformats.org/drawingml/2006/main" xmlns:r="http://schemas.openxmlformats.org/officeDocument/2006/relationships" xmlns:p="http://schemas.openxmlformats.org/presentationml/2006/main">
   <p:cSld>
     <p:spTree>
@@ -32853,6 +32755,215 @@
           </a:graphicData>
         </a:graphic>
       </p:graphicFrame>
+    </p:spTree>
+  </p:cSld>
+  <p:clrMapOvr>
+    <a:masterClrMapping/>
+  </p:clrMapOvr>
+  <p:timing>
+    <p:tnLst>
+      <p:par>
+        <p:cTn id="1" dur="indefinite" restart="never" nodeType="tmRoot"/>
+      </p:par>
+    </p:tnLst>
+  </p:timing>
+</p:sld>
+</file>
+
+<file path=ppt/slides/slide29.xml><?xml version="1.0" encoding="utf-8"?>
+<p:sld xmlns:a="http://schemas.openxmlformats.org/drawingml/2006/main" xmlns:r="http://schemas.openxmlformats.org/officeDocument/2006/relationships" xmlns:p="http://schemas.openxmlformats.org/presentationml/2006/main">
+  <p:cSld>
+    <p:spTree>
+      <p:nvGrpSpPr>
+        <p:cNvPr id="1" name=""/>
+        <p:cNvGrpSpPr/>
+        <p:nvPr/>
+      </p:nvGrpSpPr>
+      <p:grpSpPr>
+        <a:xfrm>
+          <a:off x="0" y="0"/>
+          <a:ext cx="0" cy="0"/>
+          <a:chOff x="0" y="0"/>
+          <a:chExt cx="0" cy="0"/>
+        </a:xfrm>
+      </p:grpSpPr>
+      <p:sp>
+        <p:nvSpPr>
+          <p:cNvPr id="2" name="Segnaposto testo 1"/>
+          <p:cNvSpPr>
+            <a:spLocks noGrp="1"/>
+          </p:cNvSpPr>
+          <p:nvPr>
+            <p:ph type="body" sz="quarter" idx="10"/>
+          </p:nvPr>
+        </p:nvSpPr>
+        <p:spPr/>
+        <p:txBody>
+          <a:bodyPr/>
+          <a:lstStyle/>
+          <a:p>
+            <a:r>
+              <a:rPr lang="it-IT" dirty="0" smtClean="0"/>
+              <a:t>Soluzione proposta – </a:t>
+            </a:r>
+            <a:r>
+              <a:rPr lang="it-IT" dirty="0" err="1" smtClean="0"/>
+              <a:t>Dynamic</a:t>
+            </a:r>
+            <a:r>
+              <a:rPr lang="it-IT" dirty="0" smtClean="0"/>
+              <a:t> </a:t>
+            </a:r>
+            <a:r>
+              <a:rPr lang="it-IT" dirty="0" err="1" smtClean="0"/>
+              <a:t>Fanout</a:t>
+            </a:r>
+            <a:endParaRPr lang="it-IT" dirty="0"/>
+          </a:p>
+        </p:txBody>
+      </p:sp>
+      <p:sp>
+        <p:nvSpPr>
+          <p:cNvPr id="5125" name="Rectangle 5"/>
+          <p:cNvSpPr>
+            <a:spLocks noChangeArrowheads="1"/>
+          </p:cNvSpPr>
+          <p:nvPr/>
+        </p:nvSpPr>
+        <p:spPr bwMode="auto">
+          <a:xfrm>
+            <a:off x="0" y="0"/>
+            <a:ext cx="9144000" cy="0"/>
+          </a:xfrm>
+          <a:prstGeom prst="rect">
+            <a:avLst/>
+          </a:prstGeom>
+          <a:noFill/>
+          <a:ln w="9525">
+            <a:noFill/>
+            <a:miter lim="800000"/>
+            <a:headEnd/>
+            <a:tailEnd/>
+          </a:ln>
+          <a:effectLst/>
+        </p:spPr>
+        <p:txBody>
+          <a:bodyPr vert="horz" wrap="none" lIns="91440" tIns="45720" rIns="91440" bIns="45720" numCol="1" anchor="ctr" anchorCtr="0" compatLnSpc="1">
+            <a:prstTxWarp prst="textNoShape">
+              <a:avLst/>
+            </a:prstTxWarp>
+            <a:spAutoFit/>
+          </a:bodyPr>
+          <a:lstStyle/>
+          <a:p>
+            <a:endParaRPr lang="it-IT"/>
+          </a:p>
+        </p:txBody>
+      </p:sp>
+      <p:pic>
+        <p:nvPicPr>
+          <p:cNvPr id="5129" name="Picture 9" descr="C:\Users\Lorenzo\Documents\GitHub\Tesi\img\grafici_usati\DF_battery_factor.png"/>
+          <p:cNvPicPr>
+            <a:picLocks noChangeAspect="1" noChangeArrowheads="1"/>
+          </p:cNvPicPr>
+          <p:nvPr/>
+        </p:nvPicPr>
+        <p:blipFill>
+          <a:blip r:embed="rId2" cstate="print"/>
+          <a:srcRect/>
+          <a:stretch>
+            <a:fillRect/>
+          </a:stretch>
+        </p:blipFill>
+        <p:spPr bwMode="auto">
+          <a:xfrm>
+            <a:off x="-1" y="869539"/>
+            <a:ext cx="4629281" cy="3658918"/>
+          </a:xfrm>
+          <a:prstGeom prst="rect">
+            <a:avLst/>
+          </a:prstGeom>
+          <a:noFill/>
+        </p:spPr>
+      </p:pic>
+      <p:pic>
+        <p:nvPicPr>
+          <p:cNvPr id="5128" name="Picture 8" descr="C:\Users\Lorenzo\Documents\GitHub\Tesi\img\grafici_usati\DF_andamento_teorico.png"/>
+          <p:cNvPicPr>
+            <a:picLocks noChangeAspect="1" noChangeArrowheads="1"/>
+          </p:cNvPicPr>
+          <p:nvPr/>
+        </p:nvPicPr>
+        <p:blipFill>
+          <a:blip r:embed="rId3" cstate="print"/>
+          <a:srcRect/>
+          <a:stretch>
+            <a:fillRect/>
+          </a:stretch>
+        </p:blipFill>
+        <p:spPr bwMode="auto">
+          <a:xfrm>
+            <a:off x="4371964" y="2792413"/>
+            <a:ext cx="4684952" cy="3744458"/>
+          </a:xfrm>
+          <a:prstGeom prst="rect">
+            <a:avLst/>
+          </a:prstGeom>
+          <a:noFill/>
+        </p:spPr>
+      </p:pic>
+      <p:pic>
+        <p:nvPicPr>
+          <p:cNvPr id="5130" name="Picture 10" descr="C:\Users\Lorenzo\Documents\GitHub\Tesi\img\formule_presentazione\DF_FB.png"/>
+          <p:cNvPicPr>
+            <a:picLocks noChangeAspect="1" noChangeArrowheads="1"/>
+          </p:cNvPicPr>
+          <p:nvPr/>
+        </p:nvPicPr>
+        <p:blipFill>
+          <a:blip r:embed="rId4" cstate="print"/>
+          <a:srcRect/>
+          <a:stretch>
+            <a:fillRect/>
+          </a:stretch>
+        </p:blipFill>
+        <p:spPr bwMode="auto">
+          <a:xfrm>
+            <a:off x="4900509" y="1287305"/>
+            <a:ext cx="2408052" cy="718992"/>
+          </a:xfrm>
+          <a:prstGeom prst="rect">
+            <a:avLst/>
+          </a:prstGeom>
+          <a:noFill/>
+        </p:spPr>
+      </p:pic>
+      <p:pic>
+        <p:nvPicPr>
+          <p:cNvPr id="5131" name="Picture 11" descr="C:\Users\Lorenzo\Documents\GitHub\Tesi\img\formule_presentazione\DF_FC.png"/>
+          <p:cNvPicPr>
+            <a:picLocks noChangeAspect="1" noChangeArrowheads="1"/>
+          </p:cNvPicPr>
+          <p:nvPr/>
+        </p:nvPicPr>
+        <p:blipFill>
+          <a:blip r:embed="rId5" cstate="print"/>
+          <a:srcRect/>
+          <a:stretch>
+            <a:fillRect/>
+          </a:stretch>
+        </p:blipFill>
+        <p:spPr bwMode="auto">
+          <a:xfrm>
+            <a:off x="2391125" y="5485315"/>
+            <a:ext cx="1980839" cy="468000"/>
+          </a:xfrm>
+          <a:prstGeom prst="rect">
+            <a:avLst/>
+          </a:prstGeom>
+          <a:noFill/>
+        </p:spPr>
+      </p:pic>
     </p:spTree>
   </p:cSld>
   <p:clrMapOvr>
@@ -33095,9 +33206,22 @@
             </a:pPr>
             <a:r>
               <a:rPr lang="it-IT" dirty="0" smtClean="0"/>
-              <a:t>Risparmio energetico</a:t>
+              <a:t>Dispositivi mobili</a:t>
             </a:r>
-            <a:endParaRPr lang="it-IT" dirty="0" smtClean="0"/>
+          </a:p>
+          <a:p>
+            <a:pPr>
+              <a:buFont typeface="Arial" pitchFamily="34" charset="0"/>
+              <a:buChar char="•"/>
+            </a:pPr>
+            <a:r>
+              <a:rPr lang="it-IT" dirty="0" smtClean="0"/>
+              <a:t>Risparmio </a:t>
+            </a:r>
+            <a:r>
+              <a:rPr lang="it-IT" dirty="0" smtClean="0"/>
+              <a:t>energetico</a:t>
+            </a:r>
           </a:p>
           <a:p>
             <a:pPr>
@@ -33176,32 +33300,6 @@
           </a:p>
         </p:txBody>
       </p:sp>
-      <p:pic>
-        <p:nvPicPr>
-          <p:cNvPr id="4" name="Picture 3" descr="C:\Users\Lorenzo\Documents\GitHub\Tesi\LaTeX\Pagliari_Lorenzo_Tesi\Images\reti\rete_cellulare.png"/>
-          <p:cNvPicPr>
-            <a:picLocks noChangeAspect="1" noChangeArrowheads="1"/>
-          </p:cNvPicPr>
-          <p:nvPr/>
-        </p:nvPicPr>
-        <p:blipFill>
-          <a:blip r:embed="rId3" cstate="print"/>
-          <a:srcRect/>
-          <a:stretch>
-            <a:fillRect/>
-          </a:stretch>
-        </p:blipFill>
-        <p:spPr bwMode="auto">
-          <a:xfrm>
-            <a:off x="4516582" y="3793184"/>
-            <a:ext cx="4142507" cy="2635324"/>
-          </a:xfrm>
-          <a:prstGeom prst="rect">
-            <a:avLst/>
-          </a:prstGeom>
-          <a:noFill/>
-        </p:spPr>
-      </p:pic>
       <p:sp>
         <p:nvSpPr>
           <p:cNvPr id="3" name="Segnaposto testo 2"/>
@@ -33229,8 +33327,13 @@
             </a:pPr>
             <a:r>
               <a:rPr lang="it-IT" sz="2400" dirty="0" smtClean="0"/>
-              <a:t>Presenza di una struttura di rete</a:t>
+              <a:t>Presenza di una struttura di </a:t>
             </a:r>
+            <a:r>
+              <a:rPr lang="it-IT" sz="2400" dirty="0" smtClean="0"/>
+              <a:t>rete di comunicazione</a:t>
+            </a:r>
+            <a:endParaRPr lang="it-IT" sz="2400" dirty="0" smtClean="0"/>
           </a:p>
           <a:p>
             <a:pPr>
@@ -33259,12 +33362,50 @@
             </a:pPr>
             <a:r>
               <a:rPr lang="it-IT" sz="2400" dirty="0" smtClean="0"/>
-              <a:t>Visione globale della rete da parte della rete</a:t>
+              <a:t>Visione globale </a:t>
+            </a:r>
+            <a:r>
+              <a:rPr lang="it-IT" sz="2400" dirty="0" smtClean="0"/>
+              <a:t>dei dispositivi da </a:t>
+            </a:r>
+            <a:r>
+              <a:rPr lang="it-IT" sz="2400" dirty="0" smtClean="0"/>
+              <a:t>parte </a:t>
+            </a:r>
+            <a:r>
+              <a:rPr lang="it-IT" sz="2400" dirty="0" smtClean="0"/>
+              <a:t>dell’infrastruttura di rete</a:t>
             </a:r>
             <a:endParaRPr lang="it-IT" sz="2400" dirty="0"/>
           </a:p>
         </p:txBody>
       </p:sp>
+      <p:pic>
+        <p:nvPicPr>
+          <p:cNvPr id="4" name="Picture 3" descr="C:\Users\Lorenzo\Documents\GitHub\Tesi\LaTeX\Pagliari_Lorenzo_Tesi\Images\reti\rete_cellulare.png"/>
+          <p:cNvPicPr>
+            <a:picLocks noChangeAspect="1" noChangeArrowheads="1"/>
+          </p:cNvPicPr>
+          <p:nvPr/>
+        </p:nvPicPr>
+        <p:blipFill>
+          <a:blip r:embed="rId3" cstate="print"/>
+          <a:srcRect/>
+          <a:stretch>
+            <a:fillRect/>
+          </a:stretch>
+        </p:blipFill>
+        <p:spPr bwMode="auto">
+          <a:xfrm>
+            <a:off x="4516582" y="3793184"/>
+            <a:ext cx="4142507" cy="2635324"/>
+          </a:xfrm>
+          <a:prstGeom prst="rect">
+            <a:avLst/>
+          </a:prstGeom>
+          <a:noFill/>
+        </p:spPr>
+      </p:pic>
     </p:spTree>
   </p:cSld>
   <p:clrMapOvr>
@@ -33333,7 +33474,7 @@
         <p:spPr>
           <a:xfrm>
             <a:off x="698499" y="874474"/>
-            <a:ext cx="5180803" cy="5475527"/>
+            <a:ext cx="7061201" cy="5475527"/>
           </a:xfrm>
         </p:spPr>
         <p:txBody>
@@ -33341,10 +33482,14 @@
           <a:lstStyle/>
           <a:p>
             <a:r>
-              <a:rPr lang="it-IT" b="1" u="sng" dirty="0" smtClean="0"/>
-              <a:t>Mancanza di rete</a:t>
+              <a:rPr lang="it-IT" sz="2800" b="1" u="sng" dirty="0" smtClean="0"/>
+              <a:t>Mancanza di </a:t>
             </a:r>
-            <a:endParaRPr lang="it-IT" dirty="0" smtClean="0"/>
+            <a:r>
+              <a:rPr lang="it-IT" sz="2800" b="1" u="sng" dirty="0" smtClean="0"/>
+              <a:t>reti di comunicazione</a:t>
+            </a:r>
+            <a:endParaRPr lang="it-IT" sz="2800" dirty="0" smtClean="0"/>
           </a:p>
           <a:p>
             <a:r>
@@ -33437,12 +33582,13 @@
             </a:pPr>
             <a:r>
               <a:rPr lang="it-IT" sz="2400" dirty="0" err="1" smtClean="0"/>
-              <a:t>Disabilitazioni</a:t>
+              <a:t>Disabilitazione</a:t>
             </a:r>
             <a:r>
               <a:rPr lang="it-IT" sz="2400" dirty="0" smtClean="0"/>
               <a:t> volontaria</a:t>
             </a:r>
+            <a:endParaRPr lang="it-IT" sz="2400" dirty="0" smtClean="0"/>
           </a:p>
         </p:txBody>
       </p:sp>
@@ -33462,9 +33608,9 @@
           </a:stretch>
         </p:blipFill>
         <p:spPr bwMode="auto">
-          <a:xfrm>
-            <a:off x="4357873" y="874474"/>
-            <a:ext cx="3042858" cy="1521429"/>
+          <a:xfrm flipH="1">
+            <a:off x="6308168" y="874474"/>
+            <a:ext cx="2728887" cy="1364444"/>
           </a:xfrm>
           <a:prstGeom prst="rect">
             <a:avLst/>
@@ -33489,8 +33635,8 @@
         </p:blipFill>
         <p:spPr bwMode="auto">
           <a:xfrm>
-            <a:off x="6253116" y="2123662"/>
-            <a:ext cx="2785918" cy="1877709"/>
+            <a:off x="4743495" y="2103120"/>
+            <a:ext cx="2622908" cy="1767840"/>
           </a:xfrm>
           <a:prstGeom prst="rect">
             <a:avLst/>
@@ -33515,8 +33661,8 @@
         </p:blipFill>
         <p:spPr bwMode="auto">
           <a:xfrm>
-            <a:off x="4239492" y="3387015"/>
-            <a:ext cx="2463273" cy="1847455"/>
+            <a:off x="6827520" y="3577318"/>
+            <a:ext cx="2163816" cy="1622862"/>
           </a:xfrm>
           <a:prstGeom prst="rect">
             <a:avLst/>
@@ -33541,8 +33687,8 @@
         </p:blipFill>
         <p:spPr bwMode="auto">
           <a:xfrm>
-            <a:off x="6393180" y="4925099"/>
-            <a:ext cx="2645854" cy="1587513"/>
+            <a:off x="4531359" y="4971331"/>
+            <a:ext cx="2568801" cy="1541282"/>
           </a:xfrm>
           <a:prstGeom prst="rect">
             <a:avLst/>
@@ -34935,8 +35081,21 @@
                   <a:schemeClr val="tx2"/>
                 </a:solidFill>
               </a:rPr>
-              <a:t>Paradigma di diffusione informazioni</a:t>
+              <a:t>Paradigma di diffusione </a:t>
             </a:r>
+            <a:r>
+              <a:rPr lang="it-IT" sz="2000" dirty="0" smtClean="0">
+                <a:solidFill>
+                  <a:schemeClr val="tx2"/>
+                </a:solidFill>
+              </a:rPr>
+              <a:t>virale delle informazioni</a:t>
+            </a:r>
+            <a:endParaRPr lang="it-IT" sz="2000" dirty="0" smtClean="0">
+              <a:solidFill>
+                <a:schemeClr val="tx2"/>
+              </a:solidFill>
+            </a:endParaRPr>
           </a:p>
           <a:p>
             <a:pPr marL="360363" indent="-360363">
@@ -34949,7 +35108,23 @@
                   <a:schemeClr val="tx2"/>
                 </a:solidFill>
               </a:rPr>
-              <a:t>Scopo: diffondere informazioni, senza saturare i canali di comunicazione come il broadcast puro</a:t>
+              <a:t>Scopo: </a:t>
+            </a:r>
+            <a:r>
+              <a:rPr lang="it-IT" sz="2000" dirty="0" smtClean="0">
+                <a:solidFill>
+                  <a:schemeClr val="tx2"/>
+                </a:solidFill>
+              </a:rPr>
+              <a:t>diffondere rapidamente </a:t>
+            </a:r>
+            <a:r>
+              <a:rPr lang="it-IT" sz="2000" dirty="0" smtClean="0">
+                <a:solidFill>
+                  <a:schemeClr val="tx2"/>
+                </a:solidFill>
+              </a:rPr>
+              <a:t>informazioni, senza saturare i canali di comunicazione come il broadcast puro</a:t>
             </a:r>
           </a:p>
           <a:p>
